--- a/RiKi_Monjyu_資料-20240831.pptx
+++ b/RiKi_Monjyu_資料-20240831.pptx
@@ -207,7 +207,7 @@
           <a:p>
             <a:fld id="{7AB2374C-F26F-4E04-AA90-3EFC460B9C2F}" type="datetimeFigureOut">
               <a:rPr kumimoji="1" lang="ja-JP" altLang="en-US" smtClean="0"/>
-              <a:t>2024/8/26</a:t>
+              <a:t>2024/9/26</a:t>
             </a:fld>
             <a:endParaRPr kumimoji="1" lang="ja-JP" altLang="en-US"/>
           </a:p>
@@ -372,7 +372,7 @@
           <a:p>
             <a:fld id="{64E27D7C-B25F-460E-9162-6A5F4B28CDC7}" type="datetimeFigureOut">
               <a:rPr kumimoji="1" lang="ja-JP" altLang="en-US" smtClean="0"/>
-              <a:t>2024/8/26</a:t>
+              <a:t>2024/9/26</a:t>
             </a:fld>
             <a:endParaRPr kumimoji="1" lang="ja-JP" altLang="en-US"/>
           </a:p>
@@ -2955,7 +2955,7 @@
           <a:p>
             <a:fld id="{96DFF08F-DC6B-4601-B491-B0F83F6DD2DA}" type="datetimeFigureOut">
               <a:rPr lang="en-US" smtClean="0"/>
-              <a:t>8/26/2024</a:t>
+              <a:t>9/26/2024</a:t>
             </a:fld>
             <a:endParaRPr lang="en-US" dirty="0"/>
           </a:p>
@@ -3195,7 +3195,7 @@
           <a:p>
             <a:fld id="{96DFF08F-DC6B-4601-B491-B0F83F6DD2DA}" type="datetimeFigureOut">
               <a:rPr lang="en-US" smtClean="0"/>
-              <a:t>8/26/2024</a:t>
+              <a:t>9/26/2024</a:t>
             </a:fld>
             <a:endParaRPr lang="en-US" dirty="0"/>
           </a:p>
@@ -3483,7 +3483,7 @@
           <a:p>
             <a:fld id="{96DFF08F-DC6B-4601-B491-B0F83F6DD2DA}" type="datetimeFigureOut">
               <a:rPr lang="en-US" smtClean="0"/>
-              <a:t>8/26/2024</a:t>
+              <a:t>9/26/2024</a:t>
             </a:fld>
             <a:endParaRPr lang="en-US" dirty="0"/>
           </a:p>
@@ -3685,7 +3685,7 @@
           <a:p>
             <a:fld id="{D62CEF3B-A037-46D0-B02C-1428F07E9383}" type="datetimeFigureOut">
               <a:rPr lang="en-US" smtClean="0"/>
-              <a:t>8/26/2024</a:t>
+              <a:t>9/26/2024</a:t>
             </a:fld>
             <a:endParaRPr lang="en-US" dirty="0"/>
           </a:p>
@@ -4028,7 +4028,7 @@
           <a:p>
             <a:fld id="{96DFF08F-DC6B-4601-B491-B0F83F6DD2DA}" type="datetimeFigureOut">
               <a:rPr lang="en-US" smtClean="0"/>
-              <a:t>8/26/2024</a:t>
+              <a:t>9/26/2024</a:t>
             </a:fld>
             <a:endParaRPr lang="en-US" dirty="0"/>
           </a:p>
@@ -4367,7 +4367,7 @@
           <a:p>
             <a:fld id="{96DFF08F-DC6B-4601-B491-B0F83F6DD2DA}" type="datetimeFigureOut">
               <a:rPr lang="en-US" smtClean="0"/>
-              <a:t>8/26/2024</a:t>
+              <a:t>9/26/2024</a:t>
             </a:fld>
             <a:endParaRPr lang="en-US" dirty="0"/>
           </a:p>
@@ -4810,7 +4810,7 @@
           <a:p>
             <a:fld id="{96DFF08F-DC6B-4601-B491-B0F83F6DD2DA}" type="datetimeFigureOut">
               <a:rPr lang="en-US" smtClean="0"/>
-              <a:t>8/26/2024</a:t>
+              <a:t>9/26/2024</a:t>
             </a:fld>
             <a:endParaRPr lang="en-US" dirty="0"/>
           </a:p>
@@ -4928,7 +4928,7 @@
           <a:p>
             <a:fld id="{96DFF08F-DC6B-4601-B491-B0F83F6DD2DA}" type="datetimeFigureOut">
               <a:rPr lang="en-US" smtClean="0"/>
-              <a:t>8/26/2024</a:t>
+              <a:t>9/26/2024</a:t>
             </a:fld>
             <a:endParaRPr lang="en-US" dirty="0"/>
           </a:p>
@@ -5100,7 +5100,7 @@
             <a:fld id="{96DFF08F-DC6B-4601-B491-B0F83F6DD2DA}" type="datetimeFigureOut">
               <a:rPr lang="en-US" smtClean="0"/>
               <a:pPr/>
-              <a:t>8/26/2024</a:t>
+              <a:t>9/26/2024</a:t>
             </a:fld>
             <a:endParaRPr lang="en-US" dirty="0"/>
           </a:p>
@@ -5488,7 +5488,7 @@
             <a:fld id="{96DFF08F-DC6B-4601-B491-B0F83F6DD2DA}" type="datetimeFigureOut">
               <a:rPr lang="en-US" smtClean="0"/>
               <a:pPr/>
-              <a:t>8/26/2024</a:t>
+              <a:t>9/26/2024</a:t>
             </a:fld>
             <a:endParaRPr lang="en-US" dirty="0"/>
           </a:p>
@@ -5866,7 +5866,7 @@
           <a:p>
             <a:fld id="{96DFF08F-DC6B-4601-B491-B0F83F6DD2DA}" type="datetimeFigureOut">
               <a:rPr lang="en-US" smtClean="0"/>
-              <a:t>8/26/2024</a:t>
+              <a:t>9/26/2024</a:t>
             </a:fld>
             <a:endParaRPr lang="en-US" dirty="0"/>
           </a:p>
@@ -6186,7 +6186,7 @@
             <a:fld id="{96DFF08F-DC6B-4601-B491-B0F83F6DD2DA}" type="datetimeFigureOut">
               <a:rPr lang="en-US" smtClean="0"/>
               <a:pPr/>
-              <a:t>8/26/2024</a:t>
+              <a:t>9/26/2024</a:t>
             </a:fld>
             <a:endParaRPr lang="en-US" dirty="0"/>
           </a:p>
@@ -7567,7 +7567,7 @@
                 <a:latin typeface="メイリオ" panose="020B0604030504040204" pitchFamily="50" charset="-128"/>
                 <a:ea typeface="メイリオ" panose="020B0604030504040204" pitchFamily="50" charset="-128"/>
               </a:rPr>
-              <a:t>8</a:t>
+              <a:t>9</a:t>
             </a:r>
             <a:r>
               <a:rPr kumimoji="1" lang="ja-JP" altLang="en-US" sz="1400" dirty="0">
@@ -7587,7 +7587,7 @@
                 <a:latin typeface="メイリオ" panose="020B0604030504040204" pitchFamily="50" charset="-128"/>
                 <a:ea typeface="メイリオ" panose="020B0604030504040204" pitchFamily="50" charset="-128"/>
               </a:rPr>
-              <a:t>31</a:t>
+              <a:t>30</a:t>
             </a:r>
             <a:r>
               <a:rPr kumimoji="1" lang="ja-JP" altLang="en-US" sz="1400" dirty="0">
